--- a/1_Data_Analysis/semana_11/día_1/Estandarizar_escalar_demostración.pptx
+++ b/1_Data_Analysis/semana_11/día_1/Estandarizar_escalar_demostración.pptx
@@ -105,6 +105,11 @@
       </a:defRPr>
     </a:lvl9pPr>
   </p:defaultTextStyle>
+  <p:extLst>
+    <p:ext uri="{EFAFB233-063F-42B5-8137-9DF3F51BA10A}">
+      <p15:sldGuideLst xmlns:p15="http://schemas.microsoft.com/office/powerpoint/2012/main"/>
+    </p:ext>
+  </p:extLst>
 </p:presentation>
 </file>
 
@@ -3337,7 +3342,7 @@
         <p:spPr>
           <a:xfrm>
             <a:off x="4147009" y="718915"/>
-            <a:ext cx="3091991" cy="1200329"/>
+            <a:ext cx="3091991" cy="1477328"/>
           </a:xfrm>
           <a:prstGeom prst="rect">
             <a:avLst/>
@@ -3366,6 +3371,25 @@
               <a:rPr lang="es-ES" dirty="0"/>
               <a:t>Media (a x) = a M</a:t>
             </a:r>
+          </a:p>
+          <a:p>
+            <a:r>
+              <a:rPr lang="es-ES" dirty="0"/>
+              <a:t>Media (x + y) </a:t>
+            </a:r>
+            <a:r>
+              <a:rPr lang="es-ES"/>
+              <a:t>= Mx </a:t>
+            </a:r>
+            <a:r>
+              <a:rPr lang="es-ES" dirty="0"/>
+              <a:t>+ </a:t>
+            </a:r>
+            <a:r>
+              <a:rPr lang="es-ES" dirty="0" err="1"/>
+              <a:t>My</a:t>
+            </a:r>
+            <a:endParaRPr lang="es-ES" dirty="0"/>
           </a:p>
           <a:p>
             <a:endParaRPr lang="es-ES" dirty="0"/>
